--- a/Présentation0_1.pptx
+++ b/Présentation0_1.pptx
@@ -5,12 +5,16 @@
     <p:sldMasterId id="2147483648" r:id="rId1"/>
   </p:sldMasterIdLst>
   <p:notesMasterIdLst>
-    <p:notesMasterId r:id="rId5"/>
+    <p:notesMasterId r:id="rId9"/>
   </p:notesMasterIdLst>
   <p:sldIdLst>
     <p:sldId id="256" r:id="rId2"/>
     <p:sldId id="257" r:id="rId3"/>
     <p:sldId id="258" r:id="rId4"/>
+    <p:sldId id="259" r:id="rId5"/>
+    <p:sldId id="260" r:id="rId6"/>
+    <p:sldId id="261" r:id="rId7"/>
+    <p:sldId id="262" r:id="rId8"/>
   </p:sldIdLst>
   <p:sldSz cx="9144000" cy="6858000" type="screen4x3"/>
   <p:notesSz cx="6858000" cy="9144000"/>
@@ -194,6 +198,7 @@
           <a:p>
             <a:fld id="{4D042E16-1360-442E-95CE-ABABE2F8BC8D}" type="datetimeFigureOut">
               <a:rPr lang="fr-FR" smtClean="0"/>
+              <a:pPr/>
               <a:t>09/06/2017</a:t>
             </a:fld>
             <a:endParaRPr lang="fr-FR"/>
@@ -355,6 +360,7 @@
           <a:p>
             <a:fld id="{E96B3208-6578-4770-853F-E4F8E775EDED}" type="slidenum">
               <a:rPr lang="fr-FR" smtClean="0"/>
+              <a:pPr/>
               <a:t>‹N°›</a:t>
             </a:fld>
             <a:endParaRPr lang="fr-FR"/>
@@ -534,6 +540,7 @@
           <a:p>
             <a:fld id="{E96B3208-6578-4770-853F-E4F8E775EDED}" type="slidenum">
               <a:rPr lang="fr-FR" smtClean="0"/>
+              <a:pPr/>
               <a:t>1</a:t>
             </a:fld>
             <a:endParaRPr lang="fr-FR"/>
@@ -639,6 +646,7 @@
           <a:p>
             <a:fld id="{E96B3208-6578-4770-853F-E4F8E775EDED}" type="slidenum">
               <a:rPr lang="fr-FR" smtClean="0"/>
+              <a:pPr/>
               <a:t>2</a:t>
             </a:fld>
             <a:endParaRPr lang="fr-FR"/>
@@ -768,7 +776,360 @@
           <a:p>
             <a:fld id="{E96B3208-6578-4770-853F-E4F8E775EDED}" type="slidenum">
               <a:rPr lang="fr-FR" smtClean="0"/>
+              <a:pPr/>
               <a:t>3</a:t>
+            </a:fld>
+            <a:endParaRPr lang="fr-FR"/>
+          </a:p>
+        </p:txBody>
+      </p:sp>
+    </p:spTree>
+  </p:cSld>
+  <p:clrMapOvr>
+    <a:masterClrMapping/>
+  </p:clrMapOvr>
+</p:notes>
+</file>
+
+<file path=ppt/notesSlides/notesSlide4.xml><?xml version="1.0" encoding="utf-8"?>
+<p:notes xmlns:a="http://schemas.openxmlformats.org/drawingml/2006/main" xmlns:r="http://schemas.openxmlformats.org/officeDocument/2006/relationships" xmlns:p="http://schemas.openxmlformats.org/presentationml/2006/main">
+  <p:cSld>
+    <p:spTree>
+      <p:nvGrpSpPr>
+        <p:cNvPr id="1" name=""/>
+        <p:cNvGrpSpPr/>
+        <p:nvPr/>
+      </p:nvGrpSpPr>
+      <p:grpSpPr>
+        <a:xfrm>
+          <a:off x="0" y="0"/>
+          <a:ext cx="0" cy="0"/>
+          <a:chOff x="0" y="0"/>
+          <a:chExt cx="0" cy="0"/>
+        </a:xfrm>
+      </p:grpSpPr>
+      <p:sp>
+        <p:nvSpPr>
+          <p:cNvPr id="2" name="Espace réservé de l'image des diapositives 1"/>
+          <p:cNvSpPr>
+            <a:spLocks noGrp="1" noRot="1" noChangeAspect="1"/>
+          </p:cNvSpPr>
+          <p:nvPr>
+            <p:ph type="sldImg"/>
+          </p:nvPr>
+        </p:nvSpPr>
+        <p:spPr/>
+      </p:sp>
+      <p:sp>
+        <p:nvSpPr>
+          <p:cNvPr id="3" name="Espace réservé des commentaires 2"/>
+          <p:cNvSpPr>
+            <a:spLocks noGrp="1"/>
+          </p:cNvSpPr>
+          <p:nvPr>
+            <p:ph type="body" idx="1"/>
+          </p:nvPr>
+        </p:nvSpPr>
+        <p:spPr/>
+        <p:txBody>
+          <a:bodyPr>
+            <a:normAutofit/>
+          </a:bodyPr>
+          <a:lstStyle/>
+          <a:p>
+            <a:r>
+              <a:rPr lang="fr-FR" dirty="0" err="1" smtClean="0"/>
+              <a:t>Slide</a:t>
+            </a:r>
+            <a:r>
+              <a:rPr lang="fr-FR" dirty="0" smtClean="0"/>
+              <a:t> de titre</a:t>
+            </a:r>
+            <a:r>
+              <a:rPr lang="fr-FR" baseline="0" dirty="0" smtClean="0"/>
+              <a:t> ; certaines personnes aiment pas mais ça permet de rythmer la </a:t>
+            </a:r>
+            <a:r>
+              <a:rPr lang="fr-FR" baseline="0" dirty="0" err="1" smtClean="0"/>
+              <a:t>pres</a:t>
+            </a:r>
+            <a:endParaRPr lang="fr-FR" dirty="0"/>
+          </a:p>
+        </p:txBody>
+      </p:sp>
+      <p:sp>
+        <p:nvSpPr>
+          <p:cNvPr id="4" name="Espace réservé du numéro de diapositive 3"/>
+          <p:cNvSpPr>
+            <a:spLocks noGrp="1"/>
+          </p:cNvSpPr>
+          <p:nvPr>
+            <p:ph type="sldNum" sz="quarter" idx="10"/>
+          </p:nvPr>
+        </p:nvSpPr>
+        <p:spPr/>
+        <p:txBody>
+          <a:bodyPr/>
+          <a:lstStyle/>
+          <a:p>
+            <a:fld id="{E96B3208-6578-4770-853F-E4F8E775EDED}" type="slidenum">
+              <a:rPr lang="fr-FR" smtClean="0"/>
+              <a:pPr/>
+              <a:t>4</a:t>
+            </a:fld>
+            <a:endParaRPr lang="fr-FR"/>
+          </a:p>
+        </p:txBody>
+      </p:sp>
+    </p:spTree>
+  </p:cSld>
+  <p:clrMapOvr>
+    <a:masterClrMapping/>
+  </p:clrMapOvr>
+</p:notes>
+</file>
+
+<file path=ppt/notesSlides/notesSlide5.xml><?xml version="1.0" encoding="utf-8"?>
+<p:notes xmlns:a="http://schemas.openxmlformats.org/drawingml/2006/main" xmlns:r="http://schemas.openxmlformats.org/officeDocument/2006/relationships" xmlns:p="http://schemas.openxmlformats.org/presentationml/2006/main">
+  <p:cSld>
+    <p:spTree>
+      <p:nvGrpSpPr>
+        <p:cNvPr id="1" name=""/>
+        <p:cNvGrpSpPr/>
+        <p:nvPr/>
+      </p:nvGrpSpPr>
+      <p:grpSpPr>
+        <a:xfrm>
+          <a:off x="0" y="0"/>
+          <a:ext cx="0" cy="0"/>
+          <a:chOff x="0" y="0"/>
+          <a:chExt cx="0" cy="0"/>
+        </a:xfrm>
+      </p:grpSpPr>
+      <p:sp>
+        <p:nvSpPr>
+          <p:cNvPr id="2" name="Espace réservé de l'image des diapositives 1"/>
+          <p:cNvSpPr>
+            <a:spLocks noGrp="1" noRot="1" noChangeAspect="1"/>
+          </p:cNvSpPr>
+          <p:nvPr>
+            <p:ph type="sldImg"/>
+          </p:nvPr>
+        </p:nvSpPr>
+        <p:spPr/>
+      </p:sp>
+      <p:sp>
+        <p:nvSpPr>
+          <p:cNvPr id="3" name="Espace réservé des commentaires 2"/>
+          <p:cNvSpPr>
+            <a:spLocks noGrp="1"/>
+          </p:cNvSpPr>
+          <p:nvPr>
+            <p:ph type="body" idx="1"/>
+          </p:nvPr>
+        </p:nvSpPr>
+        <p:spPr/>
+        <p:txBody>
+          <a:bodyPr>
+            <a:normAutofit/>
+          </a:bodyPr>
+          <a:lstStyle/>
+          <a:p>
+            <a:r>
+              <a:rPr lang="fr-FR" dirty="0" smtClean="0"/>
+              <a:t>Je</a:t>
+            </a:r>
+            <a:r>
+              <a:rPr lang="fr-FR" baseline="0" dirty="0" smtClean="0"/>
+              <a:t> propose un certains nombres d’idées mais c’est a la fois moche et pas très poussé… A améliorer!!!</a:t>
+            </a:r>
+            <a:endParaRPr lang="fr-FR" dirty="0"/>
+          </a:p>
+        </p:txBody>
+      </p:sp>
+      <p:sp>
+        <p:nvSpPr>
+          <p:cNvPr id="4" name="Espace réservé du numéro de diapositive 3"/>
+          <p:cNvSpPr>
+            <a:spLocks noGrp="1"/>
+          </p:cNvSpPr>
+          <p:nvPr>
+            <p:ph type="sldNum" sz="quarter" idx="10"/>
+          </p:nvPr>
+        </p:nvSpPr>
+        <p:spPr/>
+        <p:txBody>
+          <a:bodyPr/>
+          <a:lstStyle/>
+          <a:p>
+            <a:fld id="{E96B3208-6578-4770-853F-E4F8E775EDED}" type="slidenum">
+              <a:rPr lang="fr-FR" smtClean="0"/>
+              <a:pPr/>
+              <a:t>5</a:t>
+            </a:fld>
+            <a:endParaRPr lang="fr-FR"/>
+          </a:p>
+        </p:txBody>
+      </p:sp>
+    </p:spTree>
+  </p:cSld>
+  <p:clrMapOvr>
+    <a:masterClrMapping/>
+  </p:clrMapOvr>
+</p:notes>
+</file>
+
+<file path=ppt/notesSlides/notesSlide6.xml><?xml version="1.0" encoding="utf-8"?>
+<p:notes xmlns:a="http://schemas.openxmlformats.org/drawingml/2006/main" xmlns:r="http://schemas.openxmlformats.org/officeDocument/2006/relationships" xmlns:p="http://schemas.openxmlformats.org/presentationml/2006/main">
+  <p:cSld>
+    <p:spTree>
+      <p:nvGrpSpPr>
+        <p:cNvPr id="1" name=""/>
+        <p:cNvGrpSpPr/>
+        <p:nvPr/>
+      </p:nvGrpSpPr>
+      <p:grpSpPr>
+        <a:xfrm>
+          <a:off x="0" y="0"/>
+          <a:ext cx="0" cy="0"/>
+          <a:chOff x="0" y="0"/>
+          <a:chExt cx="0" cy="0"/>
+        </a:xfrm>
+      </p:grpSpPr>
+      <p:sp>
+        <p:nvSpPr>
+          <p:cNvPr id="2" name="Espace réservé de l'image des diapositives 1"/>
+          <p:cNvSpPr>
+            <a:spLocks noGrp="1" noRot="1" noChangeAspect="1"/>
+          </p:cNvSpPr>
+          <p:nvPr>
+            <p:ph type="sldImg"/>
+          </p:nvPr>
+        </p:nvSpPr>
+        <p:spPr/>
+      </p:sp>
+      <p:sp>
+        <p:nvSpPr>
+          <p:cNvPr id="3" name="Espace réservé des commentaires 2"/>
+          <p:cNvSpPr>
+            <a:spLocks noGrp="1"/>
+          </p:cNvSpPr>
+          <p:nvPr>
+            <p:ph type="body" idx="1"/>
+          </p:nvPr>
+        </p:nvSpPr>
+        <p:spPr/>
+        <p:txBody>
+          <a:bodyPr>
+            <a:normAutofit/>
+          </a:bodyPr>
+          <a:lstStyle/>
+          <a:p>
+            <a:endParaRPr lang="fr-FR" dirty="0"/>
+          </a:p>
+        </p:txBody>
+      </p:sp>
+      <p:sp>
+        <p:nvSpPr>
+          <p:cNvPr id="4" name="Espace réservé du numéro de diapositive 3"/>
+          <p:cNvSpPr>
+            <a:spLocks noGrp="1"/>
+          </p:cNvSpPr>
+          <p:nvPr>
+            <p:ph type="sldNum" sz="quarter" idx="10"/>
+          </p:nvPr>
+        </p:nvSpPr>
+        <p:spPr/>
+        <p:txBody>
+          <a:bodyPr/>
+          <a:lstStyle/>
+          <a:p>
+            <a:fld id="{E96B3208-6578-4770-853F-E4F8E775EDED}" type="slidenum">
+              <a:rPr lang="fr-FR" smtClean="0"/>
+              <a:pPr/>
+              <a:t>6</a:t>
+            </a:fld>
+            <a:endParaRPr lang="fr-FR"/>
+          </a:p>
+        </p:txBody>
+      </p:sp>
+    </p:spTree>
+  </p:cSld>
+  <p:clrMapOvr>
+    <a:masterClrMapping/>
+  </p:clrMapOvr>
+</p:notes>
+</file>
+
+<file path=ppt/notesSlides/notesSlide7.xml><?xml version="1.0" encoding="utf-8"?>
+<p:notes xmlns:a="http://schemas.openxmlformats.org/drawingml/2006/main" xmlns:r="http://schemas.openxmlformats.org/officeDocument/2006/relationships" xmlns:p="http://schemas.openxmlformats.org/presentationml/2006/main">
+  <p:cSld>
+    <p:spTree>
+      <p:nvGrpSpPr>
+        <p:cNvPr id="1" name=""/>
+        <p:cNvGrpSpPr/>
+        <p:nvPr/>
+      </p:nvGrpSpPr>
+      <p:grpSpPr>
+        <a:xfrm>
+          <a:off x="0" y="0"/>
+          <a:ext cx="0" cy="0"/>
+          <a:chOff x="0" y="0"/>
+          <a:chExt cx="0" cy="0"/>
+        </a:xfrm>
+      </p:grpSpPr>
+      <p:sp>
+        <p:nvSpPr>
+          <p:cNvPr id="2" name="Espace réservé de l'image des diapositives 1"/>
+          <p:cNvSpPr>
+            <a:spLocks noGrp="1" noRot="1" noChangeAspect="1"/>
+          </p:cNvSpPr>
+          <p:nvPr>
+            <p:ph type="sldImg"/>
+          </p:nvPr>
+        </p:nvSpPr>
+        <p:spPr/>
+      </p:sp>
+      <p:sp>
+        <p:nvSpPr>
+          <p:cNvPr id="3" name="Espace réservé des commentaires 2"/>
+          <p:cNvSpPr>
+            <a:spLocks noGrp="1"/>
+          </p:cNvSpPr>
+          <p:nvPr>
+            <p:ph type="body" idx="1"/>
+          </p:nvPr>
+        </p:nvSpPr>
+        <p:spPr/>
+        <p:txBody>
+          <a:bodyPr>
+            <a:normAutofit/>
+          </a:bodyPr>
+          <a:lstStyle/>
+          <a:p>
+            <a:endParaRPr lang="fr-FR" dirty="0"/>
+          </a:p>
+        </p:txBody>
+      </p:sp>
+      <p:sp>
+        <p:nvSpPr>
+          <p:cNvPr id="4" name="Espace réservé du numéro de diapositive 3"/>
+          <p:cNvSpPr>
+            <a:spLocks noGrp="1"/>
+          </p:cNvSpPr>
+          <p:nvPr>
+            <p:ph type="sldNum" sz="quarter" idx="10"/>
+          </p:nvPr>
+        </p:nvSpPr>
+        <p:spPr/>
+        <p:txBody>
+          <a:bodyPr/>
+          <a:lstStyle/>
+          <a:p>
+            <a:fld id="{E96B3208-6578-4770-853F-E4F8E775EDED}" type="slidenum">
+              <a:rPr lang="fr-FR" smtClean="0"/>
+              <a:pPr/>
+              <a:t>7</a:t>
             </a:fld>
             <a:endParaRPr lang="fr-FR"/>
           </a:p>
@@ -963,6 +1324,7 @@
           <a:p>
             <a:fld id="{4DE014EC-4AD4-49CE-A73A-A46EED949010}" type="datetime1">
               <a:rPr lang="fr-FR" smtClean="0"/>
+              <a:pPr/>
               <a:t>09/06/2017</a:t>
             </a:fld>
             <a:endParaRPr lang="fr-FR"/>
@@ -1005,6 +1367,7 @@
           <a:p>
             <a:fld id="{1AC45A80-E7AB-402C-9C41-37E60CF35C65}" type="slidenum">
               <a:rPr lang="fr-FR" smtClean="0"/>
+              <a:pPr/>
               <a:t>‹N°›</a:t>
             </a:fld>
             <a:endParaRPr lang="fr-FR"/>
@@ -1128,6 +1491,7 @@
           <a:p>
             <a:fld id="{4AB53B11-2B31-4897-9EFA-47F6D6A7C63E}" type="datetime1">
               <a:rPr lang="fr-FR" smtClean="0"/>
+              <a:pPr/>
               <a:t>09/06/2017</a:t>
             </a:fld>
             <a:endParaRPr lang="fr-FR"/>
@@ -1170,6 +1534,7 @@
           <a:p>
             <a:fld id="{1AC45A80-E7AB-402C-9C41-37E60CF35C65}" type="slidenum">
               <a:rPr lang="fr-FR" smtClean="0"/>
+              <a:pPr/>
               <a:t>‹N°›</a:t>
             </a:fld>
             <a:endParaRPr lang="fr-FR"/>
@@ -1303,6 +1668,7 @@
           <a:p>
             <a:fld id="{83FCB14E-1D10-47E8-84CD-804D673B30AC}" type="datetime1">
               <a:rPr lang="fr-FR" smtClean="0"/>
+              <a:pPr/>
               <a:t>09/06/2017</a:t>
             </a:fld>
             <a:endParaRPr lang="fr-FR"/>
@@ -1345,6 +1711,7 @@
           <a:p>
             <a:fld id="{1AC45A80-E7AB-402C-9C41-37E60CF35C65}" type="slidenum">
               <a:rPr lang="fr-FR" smtClean="0"/>
+              <a:pPr/>
               <a:t>‹N°›</a:t>
             </a:fld>
             <a:endParaRPr lang="fr-FR"/>
@@ -1468,6 +1835,7 @@
           <a:p>
             <a:fld id="{CD7ED665-47DA-44E7-9054-720D1CD2F10B}" type="datetime1">
               <a:rPr lang="fr-FR" smtClean="0"/>
+              <a:pPr/>
               <a:t>09/06/2017</a:t>
             </a:fld>
             <a:endParaRPr lang="fr-FR"/>
@@ -1510,6 +1878,7 @@
           <a:p>
             <a:fld id="{1AC45A80-E7AB-402C-9C41-37E60CF35C65}" type="slidenum">
               <a:rPr lang="fr-FR" smtClean="0"/>
+              <a:pPr/>
               <a:t>‹N°›</a:t>
             </a:fld>
             <a:endParaRPr lang="fr-FR"/>
@@ -1709,6 +2078,7 @@
           <a:p>
             <a:fld id="{3E09BBC5-80F9-4EF9-956E-17F9A2748D9E}" type="datetime1">
               <a:rPr lang="fr-FR" smtClean="0"/>
+              <a:pPr/>
               <a:t>09/06/2017</a:t>
             </a:fld>
             <a:endParaRPr lang="fr-FR"/>
@@ -1751,6 +2121,7 @@
           <a:p>
             <a:fld id="{1AC45A80-E7AB-402C-9C41-37E60CF35C65}" type="slidenum">
               <a:rPr lang="fr-FR" smtClean="0"/>
+              <a:pPr/>
               <a:t>‹N°›</a:t>
             </a:fld>
             <a:endParaRPr lang="fr-FR"/>
@@ -1992,6 +2363,7 @@
           <a:p>
             <a:fld id="{45422B2D-B688-42B4-B6CF-B03015C0900B}" type="datetime1">
               <a:rPr lang="fr-FR" smtClean="0"/>
+              <a:pPr/>
               <a:t>09/06/2017</a:t>
             </a:fld>
             <a:endParaRPr lang="fr-FR"/>
@@ -2034,6 +2406,7 @@
           <a:p>
             <a:fld id="{1AC45A80-E7AB-402C-9C41-37E60CF35C65}" type="slidenum">
               <a:rPr lang="fr-FR" smtClean="0"/>
+              <a:pPr/>
               <a:t>‹N°›</a:t>
             </a:fld>
             <a:endParaRPr lang="fr-FR"/>
@@ -2409,6 +2782,7 @@
           <a:p>
             <a:fld id="{C3F3C89A-0D36-4039-8617-3B410065E37C}" type="datetime1">
               <a:rPr lang="fr-FR" smtClean="0"/>
+              <a:pPr/>
               <a:t>09/06/2017</a:t>
             </a:fld>
             <a:endParaRPr lang="fr-FR"/>
@@ -2451,6 +2825,7 @@
           <a:p>
             <a:fld id="{1AC45A80-E7AB-402C-9C41-37E60CF35C65}" type="slidenum">
               <a:rPr lang="fr-FR" smtClean="0"/>
+              <a:pPr/>
               <a:t>‹N°›</a:t>
             </a:fld>
             <a:endParaRPr lang="fr-FR"/>
@@ -2522,6 +2897,7 @@
           <a:p>
             <a:fld id="{C4496509-BE88-45BD-B2A6-FC75B557E90B}" type="datetime1">
               <a:rPr lang="fr-FR" smtClean="0"/>
+              <a:pPr/>
               <a:t>09/06/2017</a:t>
             </a:fld>
             <a:endParaRPr lang="fr-FR"/>
@@ -2564,6 +2940,7 @@
           <a:p>
             <a:fld id="{1AC45A80-E7AB-402C-9C41-37E60CF35C65}" type="slidenum">
               <a:rPr lang="fr-FR" smtClean="0"/>
+              <a:pPr/>
               <a:t>‹N°›</a:t>
             </a:fld>
             <a:endParaRPr lang="fr-FR"/>
@@ -2612,6 +2989,7 @@
           <a:p>
             <a:fld id="{30EEB3D9-8683-4DEE-BCDD-77079E39E06B}" type="datetime1">
               <a:rPr lang="fr-FR" smtClean="0"/>
+              <a:pPr/>
               <a:t>09/06/2017</a:t>
             </a:fld>
             <a:endParaRPr lang="fr-FR"/>
@@ -2654,6 +3032,7 @@
           <a:p>
             <a:fld id="{1AC45A80-E7AB-402C-9C41-37E60CF35C65}" type="slidenum">
               <a:rPr lang="fr-FR" smtClean="0"/>
+              <a:pPr/>
               <a:t>‹N°›</a:t>
             </a:fld>
             <a:endParaRPr lang="fr-FR"/>
@@ -2884,6 +3263,7 @@
           <a:p>
             <a:fld id="{DB05AFEC-F1D6-49E8-98CD-B00E49073363}" type="datetime1">
               <a:rPr lang="fr-FR" smtClean="0"/>
+              <a:pPr/>
               <a:t>09/06/2017</a:t>
             </a:fld>
             <a:endParaRPr lang="fr-FR"/>
@@ -2926,6 +3306,7 @@
           <a:p>
             <a:fld id="{1AC45A80-E7AB-402C-9C41-37E60CF35C65}" type="slidenum">
               <a:rPr lang="fr-FR" smtClean="0"/>
+              <a:pPr/>
               <a:t>‹N°›</a:t>
             </a:fld>
             <a:endParaRPr lang="fr-FR"/>
@@ -3132,6 +3513,7 @@
           <a:p>
             <a:fld id="{64DBF8B6-AF3D-499F-B3EA-7FFA9FFF6945}" type="datetime1">
               <a:rPr lang="fr-FR" smtClean="0"/>
+              <a:pPr/>
               <a:t>09/06/2017</a:t>
             </a:fld>
             <a:endParaRPr lang="fr-FR"/>
@@ -3174,6 +3556,7 @@
           <a:p>
             <a:fld id="{1AC45A80-E7AB-402C-9C41-37E60CF35C65}" type="slidenum">
               <a:rPr lang="fr-FR" smtClean="0"/>
+              <a:pPr/>
               <a:t>‹N°›</a:t>
             </a:fld>
             <a:endParaRPr lang="fr-FR"/>
@@ -3340,6 +3723,7 @@
           <a:p>
             <a:fld id="{EDB79C72-FB6C-4FD6-87F3-5AEE7E16C7A7}" type="datetime1">
               <a:rPr lang="fr-FR" smtClean="0"/>
+              <a:pPr/>
               <a:t>09/06/2017</a:t>
             </a:fld>
             <a:endParaRPr lang="fr-FR"/>
@@ -3418,6 +3802,7 @@
           <a:p>
             <a:fld id="{1AC45A80-E7AB-402C-9C41-37E60CF35C65}" type="slidenum">
               <a:rPr lang="fr-FR" smtClean="0"/>
+              <a:pPr/>
               <a:t>‹N°›</a:t>
             </a:fld>
             <a:endParaRPr lang="fr-FR"/>
@@ -3785,6 +4170,7 @@
           <a:p>
             <a:fld id="{1AC45A80-E7AB-402C-9C41-37E60CF35C65}" type="slidenum">
               <a:rPr lang="fr-FR" smtClean="0"/>
+              <a:pPr/>
               <a:t>1</a:t>
             </a:fld>
             <a:endParaRPr lang="fr-FR"/>
@@ -4325,7 +4711,11 @@
             </a:r>
             <a:r>
               <a:rPr lang="fr-FR" sz="1600" dirty="0" smtClean="0"/>
-              <a:t>, ana, SGBDR…</a:t>
+              <a:t>, ana, </a:t>
+            </a:r>
+            <a:r>
+              <a:rPr lang="fr-FR" sz="1600" dirty="0" smtClean="0"/>
+              <a:t>SGBD…</a:t>
             </a:r>
             <a:endParaRPr lang="fr-FR" sz="1600" dirty="0"/>
           </a:p>
@@ -4354,6 +4744,7 @@
           <a:p>
             <a:fld id="{1AC45A80-E7AB-402C-9C41-37E60CF35C65}" type="slidenum">
               <a:rPr lang="fr-FR" smtClean="0"/>
+              <a:pPr/>
               <a:t>2</a:t>
             </a:fld>
             <a:endParaRPr lang="fr-FR"/>
@@ -5835,6 +6226,7 @@
           <a:p>
             <a:fld id="{1AC45A80-E7AB-402C-9C41-37E60CF35C65}" type="slidenum">
               <a:rPr lang="fr-FR" smtClean="0"/>
+              <a:pPr/>
               <a:t>3</a:t>
             </a:fld>
             <a:endParaRPr lang="fr-FR"/>
@@ -5897,6 +6289,415 @@
             <a:endParaRPr lang="fr-FR" dirty="0" smtClean="0"/>
           </a:p>
           <a:p>
+            <a:endParaRPr lang="fr-FR" dirty="0" smtClean="0"/>
+          </a:p>
+        </p:txBody>
+      </p:sp>
+    </p:spTree>
+  </p:cSld>
+  <p:clrMapOvr>
+    <a:masterClrMapping/>
+  </p:clrMapOvr>
+</p:sld>
+</file>
+
+<file path=ppt/slides/slide4.xml><?xml version="1.0" encoding="utf-8"?>
+<p:sld xmlns:a="http://schemas.openxmlformats.org/drawingml/2006/main" xmlns:r="http://schemas.openxmlformats.org/officeDocument/2006/relationships" xmlns:p="http://schemas.openxmlformats.org/presentationml/2006/main">
+  <p:cSld>
+    <p:spTree>
+      <p:nvGrpSpPr>
+        <p:cNvPr id="1" name=""/>
+        <p:cNvGrpSpPr/>
+        <p:nvPr/>
+      </p:nvGrpSpPr>
+      <p:grpSpPr>
+        <a:xfrm>
+          <a:off x="0" y="0"/>
+          <a:ext cx="0" cy="0"/>
+          <a:chOff x="0" y="0"/>
+          <a:chExt cx="0" cy="0"/>
+        </a:xfrm>
+      </p:grpSpPr>
+      <p:sp>
+        <p:nvSpPr>
+          <p:cNvPr id="2" name="Titre 1"/>
+          <p:cNvSpPr>
+            <a:spLocks noGrp="1"/>
+          </p:cNvSpPr>
+          <p:nvPr>
+            <p:ph type="title"/>
+          </p:nvPr>
+        </p:nvSpPr>
+        <p:spPr>
+          <a:xfrm>
+            <a:off x="467544" y="2780928"/>
+            <a:ext cx="8229600" cy="1143000"/>
+          </a:xfrm>
+        </p:spPr>
+        <p:txBody>
+          <a:bodyPr/>
+          <a:lstStyle/>
+          <a:p>
+            <a:r>
+              <a:rPr lang="fr-FR" dirty="0" smtClean="0"/>
+              <a:t>Problématique</a:t>
+            </a:r>
+            <a:endParaRPr lang="fr-FR" dirty="0"/>
+          </a:p>
+        </p:txBody>
+      </p:sp>
+      <p:sp>
+        <p:nvSpPr>
+          <p:cNvPr id="4" name="Espace réservé du numéro de diapositive 3"/>
+          <p:cNvSpPr>
+            <a:spLocks noGrp="1"/>
+          </p:cNvSpPr>
+          <p:nvPr>
+            <p:ph type="sldNum" sz="quarter" idx="12"/>
+          </p:nvPr>
+        </p:nvSpPr>
+        <p:spPr/>
+        <p:txBody>
+          <a:bodyPr/>
+          <a:lstStyle/>
+          <a:p>
+            <a:fld id="{1AC45A80-E7AB-402C-9C41-37E60CF35C65}" type="slidenum">
+              <a:rPr lang="fr-FR" smtClean="0"/>
+              <a:pPr/>
+              <a:t>4</a:t>
+            </a:fld>
+            <a:endParaRPr lang="fr-FR"/>
+          </a:p>
+        </p:txBody>
+      </p:sp>
+    </p:spTree>
+  </p:cSld>
+  <p:clrMapOvr>
+    <a:masterClrMapping/>
+  </p:clrMapOvr>
+</p:sld>
+</file>
+
+<file path=ppt/slides/slide5.xml><?xml version="1.0" encoding="utf-8"?>
+<p:sld xmlns:a="http://schemas.openxmlformats.org/drawingml/2006/main" xmlns:r="http://schemas.openxmlformats.org/officeDocument/2006/relationships" xmlns:p="http://schemas.openxmlformats.org/presentationml/2006/main">
+  <p:cSld>
+    <p:spTree>
+      <p:nvGrpSpPr>
+        <p:cNvPr id="1" name=""/>
+        <p:cNvGrpSpPr/>
+        <p:nvPr/>
+      </p:nvGrpSpPr>
+      <p:grpSpPr>
+        <a:xfrm>
+          <a:off x="0" y="0"/>
+          <a:ext cx="0" cy="0"/>
+          <a:chOff x="0" y="0"/>
+          <a:chExt cx="0" cy="0"/>
+        </a:xfrm>
+      </p:grpSpPr>
+      <p:sp>
+        <p:nvSpPr>
+          <p:cNvPr id="2" name="Titre 1"/>
+          <p:cNvSpPr>
+            <a:spLocks noGrp="1"/>
+          </p:cNvSpPr>
+          <p:nvPr>
+            <p:ph type="title"/>
+          </p:nvPr>
+        </p:nvSpPr>
+        <p:spPr/>
+        <p:txBody>
+          <a:bodyPr/>
+          <a:lstStyle/>
+          <a:p>
+            <a:r>
+              <a:rPr lang="fr-FR" dirty="0" smtClean="0"/>
+              <a:t>Etat actuel des méthodologies</a:t>
+            </a:r>
+            <a:endParaRPr lang="fr-FR" dirty="0"/>
+          </a:p>
+        </p:txBody>
+      </p:sp>
+      <p:sp>
+        <p:nvSpPr>
+          <p:cNvPr id="4" name="Espace réservé du numéro de diapositive 3"/>
+          <p:cNvSpPr>
+            <a:spLocks noGrp="1"/>
+          </p:cNvSpPr>
+          <p:nvPr>
+            <p:ph type="sldNum" sz="quarter" idx="12"/>
+          </p:nvPr>
+        </p:nvSpPr>
+        <p:spPr/>
+        <p:txBody>
+          <a:bodyPr/>
+          <a:lstStyle/>
+          <a:p>
+            <a:fld id="{1AC45A80-E7AB-402C-9C41-37E60CF35C65}" type="slidenum">
+              <a:rPr lang="fr-FR" smtClean="0"/>
+              <a:pPr/>
+              <a:t>5</a:t>
+            </a:fld>
+            <a:endParaRPr lang="fr-FR"/>
+          </a:p>
+        </p:txBody>
+      </p:sp>
+      <p:sp>
+        <p:nvSpPr>
+          <p:cNvPr id="5" name="Espace réservé du contenu 4"/>
+          <p:cNvSpPr>
+            <a:spLocks noGrp="1"/>
+          </p:cNvSpPr>
+          <p:nvPr>
+            <p:ph idx="1"/>
+          </p:nvPr>
+        </p:nvSpPr>
+        <p:spPr/>
+        <p:txBody>
+          <a:bodyPr/>
+          <a:lstStyle/>
+          <a:p>
+            <a:r>
+              <a:rPr lang="fr-FR" dirty="0" smtClean="0"/>
+              <a:t>Sondage</a:t>
+            </a:r>
+          </a:p>
+          <a:p>
+            <a:r>
+              <a:rPr lang="fr-FR" dirty="0" err="1" smtClean="0"/>
+              <a:t>Prédiciton</a:t>
+            </a:r>
+            <a:r>
+              <a:rPr lang="fr-FR" dirty="0" smtClean="0"/>
+              <a:t> liée aux années précédentes</a:t>
+            </a:r>
+          </a:p>
+        </p:txBody>
+      </p:sp>
+    </p:spTree>
+  </p:cSld>
+  <p:clrMapOvr>
+    <a:masterClrMapping/>
+  </p:clrMapOvr>
+</p:sld>
+</file>
+
+<file path=ppt/slides/slide6.xml><?xml version="1.0" encoding="utf-8"?>
+<p:sld xmlns:a="http://schemas.openxmlformats.org/drawingml/2006/main" xmlns:r="http://schemas.openxmlformats.org/officeDocument/2006/relationships" xmlns:p="http://schemas.openxmlformats.org/presentationml/2006/main">
+  <p:cSld>
+    <p:spTree>
+      <p:nvGrpSpPr>
+        <p:cNvPr id="1" name=""/>
+        <p:cNvGrpSpPr/>
+        <p:nvPr/>
+      </p:nvGrpSpPr>
+      <p:grpSpPr>
+        <a:xfrm>
+          <a:off x="0" y="0"/>
+          <a:ext cx="0" cy="0"/>
+          <a:chOff x="0" y="0"/>
+          <a:chExt cx="0" cy="0"/>
+        </a:xfrm>
+      </p:grpSpPr>
+      <p:sp>
+        <p:nvSpPr>
+          <p:cNvPr id="2" name="Titre 1"/>
+          <p:cNvSpPr>
+            <a:spLocks noGrp="1"/>
+          </p:cNvSpPr>
+          <p:nvPr>
+            <p:ph type="title"/>
+          </p:nvPr>
+        </p:nvSpPr>
+        <p:spPr/>
+        <p:txBody>
+          <a:bodyPr/>
+          <a:lstStyle/>
+          <a:p>
+            <a:r>
+              <a:rPr lang="fr-FR" dirty="0" smtClean="0"/>
+              <a:t>Problème méthodologique</a:t>
+            </a:r>
+            <a:endParaRPr lang="fr-FR" dirty="0"/>
+          </a:p>
+        </p:txBody>
+      </p:sp>
+      <p:sp>
+        <p:nvSpPr>
+          <p:cNvPr id="4" name="Espace réservé du numéro de diapositive 3"/>
+          <p:cNvSpPr>
+            <a:spLocks noGrp="1"/>
+          </p:cNvSpPr>
+          <p:nvPr>
+            <p:ph type="sldNum" sz="quarter" idx="12"/>
+          </p:nvPr>
+        </p:nvSpPr>
+        <p:spPr/>
+        <p:txBody>
+          <a:bodyPr/>
+          <a:lstStyle/>
+          <a:p>
+            <a:fld id="{1AC45A80-E7AB-402C-9C41-37E60CF35C65}" type="slidenum">
+              <a:rPr lang="fr-FR" smtClean="0"/>
+              <a:pPr/>
+              <a:t>6</a:t>
+            </a:fld>
+            <a:endParaRPr lang="fr-FR"/>
+          </a:p>
+        </p:txBody>
+      </p:sp>
+      <p:sp>
+        <p:nvSpPr>
+          <p:cNvPr id="5" name="Espace réservé du contenu 4"/>
+          <p:cNvSpPr>
+            <a:spLocks noGrp="1"/>
+          </p:cNvSpPr>
+          <p:nvPr>
+            <p:ph idx="1"/>
+          </p:nvPr>
+        </p:nvSpPr>
+        <p:spPr/>
+        <p:txBody>
+          <a:bodyPr/>
+          <a:lstStyle/>
+          <a:p>
+            <a:r>
+              <a:rPr lang="fr-FR" dirty="0" smtClean="0"/>
+              <a:t>Domaine très complexe</a:t>
+            </a:r>
+          </a:p>
+          <a:p>
+            <a:r>
+              <a:rPr lang="fr-FR" dirty="0" smtClean="0"/>
+              <a:t>Peu d’</a:t>
+            </a:r>
+            <a:r>
+              <a:rPr lang="fr-FR" dirty="0" err="1" smtClean="0"/>
+              <a:t>évenement</a:t>
+            </a:r>
+            <a:r>
+              <a:rPr lang="fr-FR" dirty="0" smtClean="0"/>
+              <a:t> </a:t>
+            </a:r>
+          </a:p>
+          <a:p>
+            <a:r>
+              <a:rPr lang="fr-FR" dirty="0" smtClean="0"/>
+              <a:t>Grande variance époque / pays</a:t>
+            </a:r>
+          </a:p>
+          <a:p>
+            <a:r>
+              <a:rPr lang="fr-FR" dirty="0" smtClean="0"/>
+              <a:t>Modèle Droite / Gauche plus adapté</a:t>
+            </a:r>
+            <a:endParaRPr lang="fr-FR" dirty="0" smtClean="0"/>
+          </a:p>
+        </p:txBody>
+      </p:sp>
+    </p:spTree>
+  </p:cSld>
+  <p:clrMapOvr>
+    <a:masterClrMapping/>
+  </p:clrMapOvr>
+</p:sld>
+</file>
+
+<file path=ppt/slides/slide7.xml><?xml version="1.0" encoding="utf-8"?>
+<p:sld xmlns:a="http://schemas.openxmlformats.org/drawingml/2006/main" xmlns:r="http://schemas.openxmlformats.org/officeDocument/2006/relationships" xmlns:p="http://schemas.openxmlformats.org/presentationml/2006/main">
+  <p:cSld>
+    <p:spTree>
+      <p:nvGrpSpPr>
+        <p:cNvPr id="1" name=""/>
+        <p:cNvGrpSpPr/>
+        <p:nvPr/>
+      </p:nvGrpSpPr>
+      <p:grpSpPr>
+        <a:xfrm>
+          <a:off x="0" y="0"/>
+          <a:ext cx="0" cy="0"/>
+          <a:chOff x="0" y="0"/>
+          <a:chExt cx="0" cy="0"/>
+        </a:xfrm>
+      </p:grpSpPr>
+      <p:sp>
+        <p:nvSpPr>
+          <p:cNvPr id="2" name="Titre 1"/>
+          <p:cNvSpPr>
+            <a:spLocks noGrp="1"/>
+          </p:cNvSpPr>
+          <p:nvPr>
+            <p:ph type="title"/>
+          </p:nvPr>
+        </p:nvSpPr>
+        <p:spPr/>
+        <p:txBody>
+          <a:bodyPr/>
+          <a:lstStyle/>
+          <a:p>
+            <a:r>
+              <a:rPr lang="fr-FR" dirty="0" smtClean="0"/>
+              <a:t>Solution : Le </a:t>
+            </a:r>
+            <a:r>
+              <a:rPr lang="fr-FR" dirty="0" err="1" smtClean="0"/>
+              <a:t>Big</a:t>
+            </a:r>
+            <a:r>
+              <a:rPr lang="fr-FR" dirty="0" smtClean="0"/>
+              <a:t> Data</a:t>
+            </a:r>
+            <a:endParaRPr lang="fr-FR" dirty="0"/>
+          </a:p>
+        </p:txBody>
+      </p:sp>
+      <p:sp>
+        <p:nvSpPr>
+          <p:cNvPr id="4" name="Espace réservé du numéro de diapositive 3"/>
+          <p:cNvSpPr>
+            <a:spLocks noGrp="1"/>
+          </p:cNvSpPr>
+          <p:nvPr>
+            <p:ph type="sldNum" sz="quarter" idx="12"/>
+          </p:nvPr>
+        </p:nvSpPr>
+        <p:spPr/>
+        <p:txBody>
+          <a:bodyPr/>
+          <a:lstStyle/>
+          <a:p>
+            <a:fld id="{1AC45A80-E7AB-402C-9C41-37E60CF35C65}" type="slidenum">
+              <a:rPr lang="fr-FR" smtClean="0"/>
+              <a:pPr/>
+              <a:t>7</a:t>
+            </a:fld>
+            <a:endParaRPr lang="fr-FR"/>
+          </a:p>
+        </p:txBody>
+      </p:sp>
+      <p:sp>
+        <p:nvSpPr>
+          <p:cNvPr id="5" name="Espace réservé du contenu 4"/>
+          <p:cNvSpPr>
+            <a:spLocks noGrp="1"/>
+          </p:cNvSpPr>
+          <p:nvPr>
+            <p:ph idx="1"/>
+          </p:nvPr>
+        </p:nvSpPr>
+        <p:spPr/>
+        <p:txBody>
+          <a:bodyPr/>
+          <a:lstStyle/>
+          <a:p>
+            <a:r>
+              <a:rPr lang="fr-FR" dirty="0" smtClean="0"/>
+              <a:t>Données multidimensionnelles et variée</a:t>
+            </a:r>
+            <a:r>
+              <a:rPr lang="fr-FR" dirty="0" smtClean="0"/>
+              <a:t>s</a:t>
+            </a:r>
             <a:endParaRPr lang="fr-FR" dirty="0" smtClean="0"/>
           </a:p>
         </p:txBody>
